--- a/course_material/slides/004_functions.pptx
+++ b/course_material/slides/004_functions.pptx
@@ -10,8 +10,12 @@
     <p:sldId id="262" r:id="rId4"/>
     <p:sldId id="259" r:id="rId5"/>
     <p:sldId id="258" r:id="rId6"/>
-    <p:sldId id="260" r:id="rId7"/>
-    <p:sldId id="261" r:id="rId8"/>
+    <p:sldId id="263" r:id="rId7"/>
+    <p:sldId id="267" r:id="rId8"/>
+    <p:sldId id="266" r:id="rId9"/>
+    <p:sldId id="265" r:id="rId10"/>
+    <p:sldId id="260" r:id="rId11"/>
+    <p:sldId id="261" r:id="rId12"/>
   </p:sldIdLst>
   <p:sldSz cx="12192000" cy="6858000"/>
   <p:notesSz cx="6858000" cy="9144000"/>
@@ -3692,6 +3696,299 @@
 </p:sld>
 </file>
 
+<file path=ppt/slides/slide10.xml><?xml version="1.0" encoding="utf-8"?>
+<p:sld xmlns:a="http://schemas.openxmlformats.org/drawingml/2006/main" xmlns:r="http://schemas.openxmlformats.org/officeDocument/2006/relationships" xmlns:p="http://schemas.openxmlformats.org/presentationml/2006/main">
+  <p:cSld>
+    <p:spTree>
+      <p:nvGrpSpPr>
+        <p:cNvPr id="1" name=""/>
+        <p:cNvGrpSpPr/>
+        <p:nvPr/>
+      </p:nvGrpSpPr>
+      <p:grpSpPr>
+        <a:xfrm>
+          <a:off x="0" y="0"/>
+          <a:ext cx="0" cy="0"/>
+          <a:chOff x="0" y="0"/>
+          <a:chExt cx="0" cy="0"/>
+        </a:xfrm>
+      </p:grpSpPr>
+      <p:sp>
+        <p:nvSpPr>
+          <p:cNvPr id="2" name="Title 1">
+            <a:extLst>
+              <a:ext uri="{FF2B5EF4-FFF2-40B4-BE49-F238E27FC236}">
+                <a16:creationId xmlns:a16="http://schemas.microsoft.com/office/drawing/2014/main" id="{D983BE9F-DE7C-B2BE-F730-BCB518978E78}"/>
+              </a:ext>
+            </a:extLst>
+          </p:cNvPr>
+          <p:cNvSpPr>
+            <a:spLocks noGrp="1"/>
+          </p:cNvSpPr>
+          <p:nvPr>
+            <p:ph type="title"/>
+          </p:nvPr>
+        </p:nvSpPr>
+        <p:spPr/>
+        <p:txBody>
+          <a:bodyPr/>
+          <a:lstStyle/>
+          <a:p>
+            <a:r>
+              <a:rPr lang="en-US" dirty="0"/>
+              <a:t>Function “Targets”</a:t>
+            </a:r>
+          </a:p>
+        </p:txBody>
+      </p:sp>
+      <p:sp>
+        <p:nvSpPr>
+          <p:cNvPr id="3" name="Content Placeholder 2">
+            <a:extLst>
+              <a:ext uri="{FF2B5EF4-FFF2-40B4-BE49-F238E27FC236}">
+                <a16:creationId xmlns:a16="http://schemas.microsoft.com/office/drawing/2014/main" id="{4087B7FD-F796-F52E-3AEC-751BA0021404}"/>
+              </a:ext>
+            </a:extLst>
+          </p:cNvPr>
+          <p:cNvSpPr>
+            <a:spLocks noGrp="1"/>
+          </p:cNvSpPr>
+          <p:nvPr>
+            <p:ph idx="1"/>
+          </p:nvPr>
+        </p:nvSpPr>
+        <p:spPr>
+          <a:xfrm>
+            <a:off x="894522" y="1928191"/>
+            <a:ext cx="10853529" cy="4125289"/>
+          </a:xfrm>
+        </p:spPr>
+        <p:txBody>
+          <a:bodyPr>
+            <a:normAutofit lnSpcReduction="10000"/>
+          </a:bodyPr>
+          <a:lstStyle/>
+          <a:p>
+            <a:r>
+              <a:rPr lang="en-US" dirty="0"/>
+              <a:t>Some functions are “targeted” at different things:</a:t>
+            </a:r>
+          </a:p>
+          <a:p>
+            <a:pPr lvl="1"/>
+            <a:r>
+              <a:rPr lang="en-US" dirty="0"/>
+              <a:t>Targeted at ”themselves” – functions that act primarily on their own object. </a:t>
+            </a:r>
+          </a:p>
+          <a:p>
+            <a:pPr lvl="1"/>
+            <a:r>
+              <a:rPr lang="en-US" dirty="0"/>
+              <a:t>Targeted at arguments – functions that act primarily on their arguments. E.g. print(), </a:t>
+            </a:r>
+            <a:r>
+              <a:rPr lang="en-US" dirty="0" err="1"/>
+              <a:t>len</a:t>
+            </a:r>
+            <a:r>
+              <a:rPr lang="en-US" dirty="0"/>
+              <a:t>(), etc..</a:t>
+            </a:r>
+          </a:p>
+          <a:p>
+            <a:r>
+              <a:rPr lang="en-US" dirty="0"/>
+              <a:t>This isn’t a super critical distinction to focus on, it’s something I found ambiguous when I learned. </a:t>
+            </a:r>
+          </a:p>
+          <a:p>
+            <a:r>
+              <a:rPr lang="en-US" dirty="0"/>
+              <a:t>This will make more sense in a week or so when we do classes. </a:t>
+            </a:r>
+          </a:p>
+          <a:p>
+            <a:r>
+              <a:rPr lang="en-US" dirty="0"/>
+              <a:t>As we get into creating classes and DS, the “themselves” ones will be more visible:</a:t>
+            </a:r>
+          </a:p>
+          <a:p>
+            <a:pPr lvl="1"/>
+            <a:r>
+              <a:rPr lang="en-US" dirty="0"/>
+              <a:t>We will write functions inside of classes to “do stuff” to those objects. </a:t>
+            </a:r>
+            <a:r>
+              <a:rPr lang="en-US" dirty="0" err="1"/>
+              <a:t>Eg</a:t>
+            </a:r>
+            <a:r>
+              <a:rPr lang="en-US" dirty="0"/>
+              <a:t> ”sort”, “train”. </a:t>
+            </a:r>
+          </a:p>
+          <a:p>
+            <a:r>
+              <a:rPr lang="en-US" dirty="0"/>
+              <a:t>For now many/most of what we’ll see are the “arguments” ones, especially with basic data types. </a:t>
+            </a:r>
+          </a:p>
+          <a:p>
+            <a:pPr lvl="1"/>
+            <a:r>
+              <a:rPr lang="en-US" dirty="0"/>
+              <a:t>We sometimes call many of these “utility” functions – things like print that act as utilities that we can reuse all over the place, in all sorts of applications. </a:t>
+            </a:r>
+          </a:p>
+        </p:txBody>
+      </p:sp>
+    </p:spTree>
+    <p:extLst>
+      <p:ext uri="{BB962C8B-B14F-4D97-AF65-F5344CB8AC3E}">
+        <p14:creationId xmlns:p14="http://schemas.microsoft.com/office/powerpoint/2010/main" val="114410303"/>
+      </p:ext>
+    </p:extLst>
+  </p:cSld>
+  <p:clrMapOvr>
+    <a:masterClrMapping/>
+  </p:clrMapOvr>
+</p:sld>
+</file>
+
+<file path=ppt/slides/slide11.xml><?xml version="1.0" encoding="utf-8"?>
+<p:sld xmlns:a="http://schemas.openxmlformats.org/drawingml/2006/main" xmlns:r="http://schemas.openxmlformats.org/officeDocument/2006/relationships" xmlns:p="http://schemas.openxmlformats.org/presentationml/2006/main">
+  <p:cSld>
+    <p:spTree>
+      <p:nvGrpSpPr>
+        <p:cNvPr id="1" name=""/>
+        <p:cNvGrpSpPr/>
+        <p:nvPr/>
+      </p:nvGrpSpPr>
+      <p:grpSpPr>
+        <a:xfrm>
+          <a:off x="0" y="0"/>
+          <a:ext cx="0" cy="0"/>
+          <a:chOff x="0" y="0"/>
+          <a:chExt cx="0" cy="0"/>
+        </a:xfrm>
+      </p:grpSpPr>
+      <p:sp>
+        <p:nvSpPr>
+          <p:cNvPr id="2" name="Title 1">
+            <a:extLst>
+              <a:ext uri="{FF2B5EF4-FFF2-40B4-BE49-F238E27FC236}">
+                <a16:creationId xmlns:a16="http://schemas.microsoft.com/office/drawing/2014/main" id="{446D5FAB-D24C-D316-8A46-5D09AD2EB760}"/>
+              </a:ext>
+            </a:extLst>
+          </p:cNvPr>
+          <p:cNvSpPr>
+            <a:spLocks noGrp="1"/>
+          </p:cNvSpPr>
+          <p:nvPr>
+            <p:ph type="title"/>
+          </p:nvPr>
+        </p:nvSpPr>
+        <p:spPr/>
+        <p:txBody>
+          <a:bodyPr/>
+          <a:lstStyle/>
+          <a:p>
+            <a:r>
+              <a:rPr lang="en-US" dirty="0"/>
+              <a:t>Where to use functions</a:t>
+            </a:r>
+          </a:p>
+        </p:txBody>
+      </p:sp>
+      <p:sp>
+        <p:nvSpPr>
+          <p:cNvPr id="3" name="Content Placeholder 2">
+            <a:extLst>
+              <a:ext uri="{FF2B5EF4-FFF2-40B4-BE49-F238E27FC236}">
+                <a16:creationId xmlns:a16="http://schemas.microsoft.com/office/drawing/2014/main" id="{FD1DA525-3786-B8D2-C025-A68C4E48B87A}"/>
+              </a:ext>
+            </a:extLst>
+          </p:cNvPr>
+          <p:cNvSpPr>
+            <a:spLocks noGrp="1"/>
+          </p:cNvSpPr>
+          <p:nvPr>
+            <p:ph idx="1"/>
+          </p:nvPr>
+        </p:nvSpPr>
+        <p:spPr>
+          <a:xfrm>
+            <a:off x="1451579" y="1853754"/>
+            <a:ext cx="9603275" cy="4199727"/>
+          </a:xfrm>
+        </p:spPr>
+        <p:txBody>
+          <a:bodyPr/>
+          <a:lstStyle/>
+          <a:p>
+            <a:r>
+              <a:rPr lang="en-US" dirty="0"/>
+              <a:t>Almost any time we might have:</a:t>
+            </a:r>
+          </a:p>
+          <a:p>
+            <a:pPr lvl="1"/>
+            <a:r>
+              <a:rPr lang="en-US" dirty="0"/>
+              <a:t>Code that will be repeated. </a:t>
+            </a:r>
+          </a:p>
+          <a:p>
+            <a:pPr lvl="1"/>
+            <a:r>
+              <a:rPr lang="en-US" dirty="0"/>
+              <a:t>Algorithms with defined inputs and outputs. </a:t>
+            </a:r>
+          </a:p>
+          <a:p>
+            <a:pPr lvl="1"/>
+            <a:r>
+              <a:rPr lang="en-US" dirty="0"/>
+              <a:t>Algorithms that require many steps to do one specific action. </a:t>
+            </a:r>
+          </a:p>
+          <a:p>
+            <a:pPr lvl="2"/>
+            <a:r>
+              <a:rPr lang="en-US" dirty="0"/>
+              <a:t>E.g. sorting things generally has a bunch of steps to do the “sort” action. </a:t>
+            </a:r>
+          </a:p>
+          <a:p>
+            <a:pPr lvl="1"/>
+            <a:r>
+              <a:rPr lang="en-US" dirty="0"/>
+              <a:t>Code that requires extensive/critical testing. </a:t>
+            </a:r>
+          </a:p>
+          <a:p>
+            <a:r>
+              <a:rPr lang="en-US" dirty="0"/>
+              <a:t>There is a very low chance that you’ll be too aggressive in putting code into functions. </a:t>
+            </a:r>
+          </a:p>
+        </p:txBody>
+      </p:sp>
+    </p:spTree>
+    <p:extLst>
+      <p:ext uri="{BB962C8B-B14F-4D97-AF65-F5344CB8AC3E}">
+        <p14:creationId xmlns:p14="http://schemas.microsoft.com/office/powerpoint/2010/main" val="2397868368"/>
+      </p:ext>
+    </p:extLst>
+  </p:cSld>
+  <p:clrMapOvr>
+    <a:masterClrMapping/>
+  </p:clrMapOvr>
+</p:sld>
+</file>
+
 <file path=ppt/slides/slide2.xml><?xml version="1.0" encoding="utf-8"?>
 <p:sld xmlns:a="http://schemas.openxmlformats.org/drawingml/2006/main" xmlns:r="http://schemas.openxmlformats.org/officeDocument/2006/relationships" xmlns:p="http://schemas.openxmlformats.org/presentationml/2006/main">
   <p:cSld>
@@ -4330,7 +4627,7 @@
           <p:cNvPr id="2" name="Title 1">
             <a:extLst>
               <a:ext uri="{FF2B5EF4-FFF2-40B4-BE49-F238E27FC236}">
-                <a16:creationId xmlns:a16="http://schemas.microsoft.com/office/drawing/2014/main" id="{D983BE9F-DE7C-B2BE-F730-BCB518978E78}"/>
+                <a16:creationId xmlns:a16="http://schemas.microsoft.com/office/drawing/2014/main" id="{823D04AE-9108-48D1-39E7-2A2E1DDE1BBE}"/>
               </a:ext>
             </a:extLst>
           </p:cNvPr>
@@ -4348,7 +4645,7 @@
           <a:p>
             <a:r>
               <a:rPr lang="en-US" dirty="0"/>
-              <a:t>Function “Targets”</a:t>
+              <a:t>Parameters</a:t>
             </a:r>
           </a:p>
         </p:txBody>
@@ -4358,7 +4655,7 @@
           <p:cNvPr id="3" name="Content Placeholder 2">
             <a:extLst>
               <a:ext uri="{FF2B5EF4-FFF2-40B4-BE49-F238E27FC236}">
-                <a16:creationId xmlns:a16="http://schemas.microsoft.com/office/drawing/2014/main" id="{4087B7FD-F796-F52E-3AEC-751BA0021404}"/>
+                <a16:creationId xmlns:a16="http://schemas.microsoft.com/office/drawing/2014/main" id="{C563D2B9-7CE9-0C52-CE91-ED5E904D95F5}"/>
               </a:ext>
             </a:extLst>
           </p:cNvPr>
@@ -4371,87 +4668,104 @@
         </p:nvSpPr>
         <p:spPr>
           <a:xfrm>
-            <a:off x="894522" y="1928191"/>
-            <a:ext cx="10853529" cy="4125289"/>
+            <a:off x="1451579" y="2015732"/>
+            <a:ext cx="9603275" cy="4037749"/>
           </a:xfrm>
         </p:spPr>
         <p:txBody>
           <a:bodyPr>
-            <a:normAutofit lnSpcReduction="10000"/>
+            <a:normAutofit fontScale="92500" lnSpcReduction="10000"/>
           </a:bodyPr>
           <a:lstStyle/>
           <a:p>
             <a:r>
               <a:rPr lang="en-US" dirty="0"/>
-              <a:t>Some functions are “targeted” at different things:</a:t>
+              <a:t>Parameters are the “inputs” to a function that whoever is calling this function can supply. </a:t>
             </a:r>
           </a:p>
           <a:p>
             <a:pPr lvl="1"/>
             <a:r>
               <a:rPr lang="en-US" dirty="0"/>
-              <a:t>Targeted at ”themselves” – functions that act primarily on their own object. </a:t>
+              <a:t>We most commonly have a function to “do stuff”, and it’ll do it with whichever values are supplied in the parameters. E.g. </a:t>
+            </a:r>
+            <a:r>
+              <a:rPr lang="en-US" dirty="0" err="1"/>
+              <a:t>math.sqrt</a:t>
+            </a:r>
+            <a:r>
+              <a:rPr lang="en-US" dirty="0"/>
+              <a:t>, print, </a:t>
+            </a:r>
+            <a:r>
+              <a:rPr lang="en-US" dirty="0" err="1"/>
+              <a:t>etc</a:t>
+            </a:r>
+            <a:r>
+              <a:rPr lang="en-US" dirty="0"/>
+              <a:t>…</a:t>
             </a:r>
           </a:p>
           <a:p>
             <a:pPr lvl="1"/>
             <a:r>
               <a:rPr lang="en-US" dirty="0"/>
-              <a:t>Targeted at arguments – functions that act primarily on their arguments. E.g. print(), </a:t>
+              <a:t>We also often have functions that do something (to their object), and the parameters are the “settings”. E.g. sort or </a:t>
             </a:r>
             <a:r>
               <a:rPr lang="en-US" dirty="0" err="1"/>
-              <a:t>len</a:t>
-            </a:r>
-            <a:r>
-              <a:rPr lang="en-US" dirty="0"/>
-              <a:t>(), etc..</a:t>
-            </a:r>
-          </a:p>
-          <a:p>
-            <a:r>
-              <a:rPr lang="en-US" dirty="0"/>
-              <a:t>This isn’t a super critical distinction to focus on, it’s something I found ambiguous when I learned. </a:t>
-            </a:r>
-          </a:p>
-          <a:p>
-            <a:r>
-              <a:rPr lang="en-US" dirty="0"/>
-              <a:t>This will make more sense in a week or so when we do classes. </a:t>
-            </a:r>
-          </a:p>
-          <a:p>
-            <a:r>
-              <a:rPr lang="en-US" dirty="0"/>
-              <a:t>As we get into creating classes and DS, the “themselves” ones will be more visible:</a:t>
+              <a:t>groupby</a:t>
+            </a:r>
+            <a:r>
+              <a:rPr lang="en-US" dirty="0"/>
+              <a:t> on a </a:t>
+            </a:r>
+            <a:r>
+              <a:rPr lang="en-US" dirty="0" err="1"/>
+              <a:t>dataframe</a:t>
+            </a:r>
+            <a:r>
+              <a:rPr lang="en-US" dirty="0"/>
+              <a:t>, training settings for ML models. </a:t>
+            </a:r>
+          </a:p>
+          <a:p>
+            <a:r>
+              <a:rPr lang="en-US" dirty="0"/>
+              <a:t>Parameters in the function definition can optionally be named in the call:</a:t>
             </a:r>
           </a:p>
           <a:p>
             <a:pPr lvl="1"/>
             <a:r>
               <a:rPr lang="en-US" dirty="0"/>
-              <a:t>We will write functions inside of classes to “do stuff” to those objects. </a:t>
-            </a:r>
-            <a:r>
-              <a:rPr lang="en-US" dirty="0" err="1"/>
-              <a:t>Eg</a:t>
-            </a:r>
-            <a:r>
-              <a:rPr lang="en-US" dirty="0"/>
-              <a:t> ”sort”, “train”. </a:t>
-            </a:r>
-          </a:p>
-          <a:p>
-            <a:r>
-              <a:rPr lang="en-US" dirty="0"/>
-              <a:t>For now many/most of what we’ll see are the “arguments” ones, especially with basic data types. </a:t>
+              <a:t>Allows for optional parameters to be easily implemented. </a:t>
             </a:r>
           </a:p>
           <a:p>
             <a:pPr lvl="1"/>
             <a:r>
               <a:rPr lang="en-US" dirty="0"/>
-              <a:t>We sometimes call many of these “utility” functions – things like print that act as utilities that we can reuse all over the place, in all sorts of applications. </a:t>
+              <a:t>Allows for the function call to not worry about order. </a:t>
+            </a:r>
+          </a:p>
+          <a:p>
+            <a:r>
+              <a:rPr lang="en-US" dirty="0"/>
+              <a:t>Parameters can also have defaults that will be used if missing in the call. </a:t>
+            </a:r>
+          </a:p>
+          <a:p>
+            <a:pPr lvl="1"/>
+            <a:r>
+              <a:rPr lang="en-US" dirty="0"/>
+              <a:t>We commonly see this on stuff we import – there’s options we usually ignore. </a:t>
+            </a:r>
+          </a:p>
+          <a:p>
+            <a:r>
+              <a:rPr lang="en-US" dirty="0"/>
+              <a:t>Parameter variable names are locally scoped – they exist only inside the function. </a:t>
             </a:r>
           </a:p>
         </p:txBody>
@@ -4459,7 +4773,7 @@
     </p:spTree>
     <p:extLst>
       <p:ext uri="{BB962C8B-B14F-4D97-AF65-F5344CB8AC3E}">
-        <p14:creationId xmlns:p14="http://schemas.microsoft.com/office/powerpoint/2010/main" val="114410303"/>
+        <p14:creationId xmlns:p14="http://schemas.microsoft.com/office/powerpoint/2010/main" val="848939852"/>
       </p:ext>
     </p:extLst>
   </p:cSld>
@@ -4491,7 +4805,7 @@
           <p:cNvPr id="2" name="Title 1">
             <a:extLst>
               <a:ext uri="{FF2B5EF4-FFF2-40B4-BE49-F238E27FC236}">
-                <a16:creationId xmlns:a16="http://schemas.microsoft.com/office/drawing/2014/main" id="{446D5FAB-D24C-D316-8A46-5D09AD2EB760}"/>
+                <a16:creationId xmlns:a16="http://schemas.microsoft.com/office/drawing/2014/main" id="{851FE0F3-2977-455F-48BE-55510B906344}"/>
               </a:ext>
             </a:extLst>
           </p:cNvPr>
@@ -4507,10 +4821,7 @@
           <a:bodyPr/>
           <a:lstStyle/>
           <a:p>
-            <a:r>
-              <a:rPr lang="en-US" dirty="0"/>
-              <a:t>Where to use functions</a:t>
-            </a:r>
+            <a:endParaRPr lang="en-US"/>
           </a:p>
         </p:txBody>
       </p:sp>
@@ -4519,7 +4830,137 @@
           <p:cNvPr id="3" name="Content Placeholder 2">
             <a:extLst>
               <a:ext uri="{FF2B5EF4-FFF2-40B4-BE49-F238E27FC236}">
-                <a16:creationId xmlns:a16="http://schemas.microsoft.com/office/drawing/2014/main" id="{FD1DA525-3786-B8D2-C025-A68C4E48B87A}"/>
+                <a16:creationId xmlns:a16="http://schemas.microsoft.com/office/drawing/2014/main" id="{59161D7E-88EE-3DBD-091E-D58759307176}"/>
+              </a:ext>
+            </a:extLst>
+          </p:cNvPr>
+          <p:cNvSpPr>
+            <a:spLocks noGrp="1"/>
+          </p:cNvSpPr>
+          <p:nvPr>
+            <p:ph idx="1"/>
+          </p:nvPr>
+        </p:nvSpPr>
+        <p:spPr/>
+        <p:txBody>
+          <a:bodyPr/>
+          <a:lstStyle/>
+          <a:p>
+            <a:endParaRPr lang="en-US"/>
+          </a:p>
+        </p:txBody>
+      </p:sp>
+      <p:pic>
+        <p:nvPicPr>
+          <p:cNvPr id="4098" name="Picture 2" descr="Python Function Arguments [4 Types] – PYnative">
+            <a:extLst>
+              <a:ext uri="{FF2B5EF4-FFF2-40B4-BE49-F238E27FC236}">
+                <a16:creationId xmlns:a16="http://schemas.microsoft.com/office/drawing/2014/main" id="{550B2911-944B-E737-08AC-D39C738794AE}"/>
+              </a:ext>
+            </a:extLst>
+          </p:cNvPr>
+          <p:cNvPicPr>
+            <a:picLocks noChangeAspect="1" noChangeArrowheads="1"/>
+          </p:cNvPicPr>
+          <p:nvPr/>
+        </p:nvPicPr>
+        <p:blipFill>
+          <a:blip r:embed="rId2">
+            <a:extLst>
+              <a:ext uri="{28A0092B-C50C-407E-A947-70E740481C1C}">
+                <a14:useLocalDpi xmlns:a14="http://schemas.microsoft.com/office/drawing/2010/main" val="0"/>
+              </a:ext>
+            </a:extLst>
+          </a:blip>
+          <a:srcRect/>
+          <a:stretch>
+            <a:fillRect/>
+          </a:stretch>
+        </p:blipFill>
+        <p:spPr bwMode="auto">
+          <a:xfrm>
+            <a:off x="546100" y="101600"/>
+            <a:ext cx="11099800" cy="6654800"/>
+          </a:xfrm>
+          <a:prstGeom prst="rect">
+            <a:avLst/>
+          </a:prstGeom>
+          <a:noFill/>
+          <a:extLst>
+            <a:ext uri="{909E8E84-426E-40DD-AFC4-6F175D3DCCD1}">
+              <a14:hiddenFill xmlns:a14="http://schemas.microsoft.com/office/drawing/2010/main">
+                <a:solidFill>
+                  <a:srgbClr val="FFFFFF"/>
+                </a:solidFill>
+              </a14:hiddenFill>
+            </a:ext>
+          </a:extLst>
+        </p:spPr>
+      </p:pic>
+    </p:spTree>
+    <p:extLst>
+      <p:ext uri="{BB962C8B-B14F-4D97-AF65-F5344CB8AC3E}">
+        <p14:creationId xmlns:p14="http://schemas.microsoft.com/office/powerpoint/2010/main" val="1859701845"/>
+      </p:ext>
+    </p:extLst>
+  </p:cSld>
+  <p:clrMapOvr>
+    <a:masterClrMapping/>
+  </p:clrMapOvr>
+</p:sld>
+</file>
+
+<file path=ppt/slides/slide8.xml><?xml version="1.0" encoding="utf-8"?>
+<p:sld xmlns:a="http://schemas.openxmlformats.org/drawingml/2006/main" xmlns:r="http://schemas.openxmlformats.org/officeDocument/2006/relationships" xmlns:p="http://schemas.openxmlformats.org/presentationml/2006/main">
+  <p:cSld>
+    <p:spTree>
+      <p:nvGrpSpPr>
+        <p:cNvPr id="1" name=""/>
+        <p:cNvGrpSpPr/>
+        <p:nvPr/>
+      </p:nvGrpSpPr>
+      <p:grpSpPr>
+        <a:xfrm>
+          <a:off x="0" y="0"/>
+          <a:ext cx="0" cy="0"/>
+          <a:chOff x="0" y="0"/>
+          <a:chExt cx="0" cy="0"/>
+        </a:xfrm>
+      </p:grpSpPr>
+      <p:sp>
+        <p:nvSpPr>
+          <p:cNvPr id="2" name="Title 1">
+            <a:extLst>
+              <a:ext uri="{FF2B5EF4-FFF2-40B4-BE49-F238E27FC236}">
+                <a16:creationId xmlns:a16="http://schemas.microsoft.com/office/drawing/2014/main" id="{FF802690-A9BF-B948-6ECD-0DA6D9934399}"/>
+              </a:ext>
+            </a:extLst>
+          </p:cNvPr>
+          <p:cNvSpPr>
+            <a:spLocks noGrp="1"/>
+          </p:cNvSpPr>
+          <p:nvPr>
+            <p:ph type="title"/>
+          </p:nvPr>
+        </p:nvSpPr>
+        <p:spPr/>
+        <p:txBody>
+          <a:bodyPr/>
+          <a:lstStyle/>
+          <a:p>
+            <a:r>
+              <a:rPr lang="en-US" dirty="0"/>
+              <a:t>Variable Scope</a:t>
+            </a:r>
+          </a:p>
+        </p:txBody>
+      </p:sp>
+      <p:sp>
+        <p:nvSpPr>
+          <p:cNvPr id="3" name="Content Placeholder 2">
+            <a:extLst>
+              <a:ext uri="{FF2B5EF4-FFF2-40B4-BE49-F238E27FC236}">
+                <a16:creationId xmlns:a16="http://schemas.microsoft.com/office/drawing/2014/main" id="{C37068FF-6514-C0E7-71F0-466051E79FFF}"/>
               </a:ext>
             </a:extLst>
           </p:cNvPr>
@@ -4537,61 +4978,288 @@
           </a:xfrm>
         </p:spPr>
         <p:txBody>
-          <a:bodyPr/>
-          <a:lstStyle/>
-          <a:p>
-            <a:r>
-              <a:rPr lang="en-US" dirty="0"/>
-              <a:t>Almost any time we might have:</a:t>
+          <a:bodyPr>
+            <a:normAutofit lnSpcReduction="10000"/>
+          </a:bodyPr>
+          <a:lstStyle/>
+          <a:p>
+            <a:r>
+              <a:rPr lang="en-US" dirty="0"/>
+              <a:t>Functions introduce us to variable scope. </a:t>
+            </a:r>
+          </a:p>
+          <a:p>
+            <a:r>
+              <a:rPr lang="en-US" dirty="0"/>
+              <a:t>The scope of a variable refers to where is is available. </a:t>
+            </a:r>
+          </a:p>
+          <a:p>
+            <a:r>
+              <a:rPr lang="en-US" dirty="0"/>
+              <a:t>We have 3 potential scopes:</a:t>
             </a:r>
           </a:p>
           <a:p>
             <a:pPr lvl="1"/>
             <a:r>
               <a:rPr lang="en-US" dirty="0"/>
-              <a:t>Code that will be repeated. </a:t>
+              <a:t>Global – available everywhere in the program. </a:t>
             </a:r>
           </a:p>
           <a:p>
             <a:pPr lvl="1"/>
             <a:r>
               <a:rPr lang="en-US" dirty="0"/>
-              <a:t>Algorithms with defined inputs and outputs. </a:t>
+              <a:t>Enclosed – nested inside other functions. </a:t>
             </a:r>
           </a:p>
           <a:p>
             <a:pPr lvl="1"/>
             <a:r>
               <a:rPr lang="en-US" dirty="0"/>
-              <a:t>Algorithms that require many steps to do one specific action. </a:t>
-            </a:r>
-          </a:p>
-          <a:p>
-            <a:pPr lvl="2"/>
-            <a:r>
-              <a:rPr lang="en-US" dirty="0"/>
-              <a:t>E.g. sorting things generally has a bunch of steps to do the “sort” action. </a:t>
+              <a:t>Local – available inside a function. </a:t>
+            </a:r>
+          </a:p>
+          <a:p>
+            <a:r>
+              <a:rPr lang="en-US" dirty="0"/>
+              <a:t>Python will resolve, or look for a match, from the bottom up. </a:t>
             </a:r>
           </a:p>
           <a:p>
             <a:pPr lvl="1"/>
             <a:r>
               <a:rPr lang="en-US" dirty="0"/>
-              <a:t>Code that requires extensive/critical testing. </a:t>
-            </a:r>
-          </a:p>
-          <a:p>
-            <a:r>
-              <a:rPr lang="en-US" dirty="0"/>
-              <a:t>There is a very low chance that you’ll be too aggressive in putting code into functions. </a:t>
-            </a:r>
-          </a:p>
-        </p:txBody>
-      </p:sp>
+              <a:t>Careful on reusing variable names for scopes that can overlap. </a:t>
+            </a:r>
+          </a:p>
+          <a:p>
+            <a:r>
+              <a:rPr lang="en-US" dirty="0"/>
+              <a:t>Each separate function has its own independent scope. </a:t>
+            </a:r>
+          </a:p>
+          <a:p>
+            <a:pPr lvl="1"/>
+            <a:r>
+              <a:rPr lang="en-US" dirty="0"/>
+              <a:t>We commonly reuse variable names from function to function, especially generic ones. </a:t>
+            </a:r>
+          </a:p>
+        </p:txBody>
+      </p:sp>
+      <p:pic>
+        <p:nvPicPr>
+          <p:cNvPr id="3074" name="Picture 2" descr="Python Variable Scope with Local &amp; Non-local Examples | DataCamp">
+            <a:extLst>
+              <a:ext uri="{FF2B5EF4-FFF2-40B4-BE49-F238E27FC236}">
+                <a16:creationId xmlns:a16="http://schemas.microsoft.com/office/drawing/2014/main" id="{F0626467-1DF9-77C5-D102-CCBAFB4043A5}"/>
+              </a:ext>
+            </a:extLst>
+          </p:cNvPr>
+          <p:cNvPicPr>
+            <a:picLocks noChangeAspect="1" noChangeArrowheads="1"/>
+          </p:cNvPicPr>
+          <p:nvPr/>
+        </p:nvPicPr>
+        <p:blipFill>
+          <a:blip r:embed="rId2">
+            <a:extLst>
+              <a:ext uri="{28A0092B-C50C-407E-A947-70E740481C1C}">
+                <a14:useLocalDpi xmlns:a14="http://schemas.microsoft.com/office/drawing/2010/main" val="0"/>
+              </a:ext>
+            </a:extLst>
+          </a:blip>
+          <a:srcRect/>
+          <a:stretch>
+            <a:fillRect/>
+          </a:stretch>
+        </p:blipFill>
+        <p:spPr bwMode="auto">
+          <a:xfrm>
+            <a:off x="8340811" y="1836004"/>
+            <a:ext cx="3851189" cy="3386724"/>
+          </a:xfrm>
+          <a:prstGeom prst="rect">
+            <a:avLst/>
+          </a:prstGeom>
+          <a:noFill/>
+          <a:extLst>
+            <a:ext uri="{909E8E84-426E-40DD-AFC4-6F175D3DCCD1}">
+              <a14:hiddenFill xmlns:a14="http://schemas.microsoft.com/office/drawing/2010/main">
+                <a:solidFill>
+                  <a:srgbClr val="FFFFFF"/>
+                </a:solidFill>
+              </a14:hiddenFill>
+            </a:ext>
+          </a:extLst>
+        </p:spPr>
+      </p:pic>
     </p:spTree>
     <p:extLst>
       <p:ext uri="{BB962C8B-B14F-4D97-AF65-F5344CB8AC3E}">
-        <p14:creationId xmlns:p14="http://schemas.microsoft.com/office/powerpoint/2010/main" val="2397868368"/>
+        <p14:creationId xmlns:p14="http://schemas.microsoft.com/office/powerpoint/2010/main" val="3893778997"/>
+      </p:ext>
+    </p:extLst>
+  </p:cSld>
+  <p:clrMapOvr>
+    <a:masterClrMapping/>
+  </p:clrMapOvr>
+</p:sld>
+</file>
+
+<file path=ppt/slides/slide9.xml><?xml version="1.0" encoding="utf-8"?>
+<p:sld xmlns:a="http://schemas.openxmlformats.org/drawingml/2006/main" xmlns:r="http://schemas.openxmlformats.org/officeDocument/2006/relationships" xmlns:p="http://schemas.openxmlformats.org/presentationml/2006/main">
+  <p:cSld>
+    <p:spTree>
+      <p:nvGrpSpPr>
+        <p:cNvPr id="1" name=""/>
+        <p:cNvGrpSpPr/>
+        <p:nvPr/>
+      </p:nvGrpSpPr>
+      <p:grpSpPr>
+        <a:xfrm>
+          <a:off x="0" y="0"/>
+          <a:ext cx="0" cy="0"/>
+          <a:chOff x="0" y="0"/>
+          <a:chExt cx="0" cy="0"/>
+        </a:xfrm>
+      </p:grpSpPr>
+      <p:sp>
+        <p:nvSpPr>
+          <p:cNvPr id="2" name="Title 1">
+            <a:extLst>
+              <a:ext uri="{FF2B5EF4-FFF2-40B4-BE49-F238E27FC236}">
+                <a16:creationId xmlns:a16="http://schemas.microsoft.com/office/drawing/2014/main" id="{A6088745-210F-783A-B27A-45B8DA103170}"/>
+              </a:ext>
+            </a:extLst>
+          </p:cNvPr>
+          <p:cNvSpPr>
+            <a:spLocks noGrp="1"/>
+          </p:cNvSpPr>
+          <p:nvPr>
+            <p:ph type="title"/>
+          </p:nvPr>
+        </p:nvSpPr>
+        <p:spPr/>
+        <p:txBody>
+          <a:bodyPr/>
+          <a:lstStyle/>
+          <a:p>
+            <a:r>
+              <a:rPr lang="en-US" dirty="0"/>
+              <a:t>Fruitful vs. Void Functions</a:t>
+            </a:r>
+          </a:p>
+        </p:txBody>
+      </p:sp>
+      <p:sp>
+        <p:nvSpPr>
+          <p:cNvPr id="3" name="Content Placeholder 2">
+            <a:extLst>
+              <a:ext uri="{FF2B5EF4-FFF2-40B4-BE49-F238E27FC236}">
+                <a16:creationId xmlns:a16="http://schemas.microsoft.com/office/drawing/2014/main" id="{7855636E-D2EF-3E20-4F05-8409F34522DA}"/>
+              </a:ext>
+            </a:extLst>
+          </p:cNvPr>
+          <p:cNvSpPr>
+            <a:spLocks noGrp="1"/>
+          </p:cNvSpPr>
+          <p:nvPr>
+            <p:ph idx="1"/>
+          </p:nvPr>
+        </p:nvSpPr>
+        <p:spPr>
+          <a:xfrm>
+            <a:off x="1451579" y="1853754"/>
+            <a:ext cx="9603275" cy="4199727"/>
+          </a:xfrm>
+        </p:spPr>
+        <p:txBody>
+          <a:bodyPr>
+            <a:normAutofit lnSpcReduction="10000"/>
+          </a:bodyPr>
+          <a:lstStyle/>
+          <a:p>
+            <a:r>
+              <a:rPr lang="en-US" dirty="0"/>
+              <a:t>One key distinction in types of functions is what they return. </a:t>
+            </a:r>
+          </a:p>
+          <a:p>
+            <a:r>
+              <a:rPr lang="en-US" dirty="0"/>
+              <a:t>”Fruitful” functions return some value. </a:t>
+            </a:r>
+          </a:p>
+          <a:p>
+            <a:pPr lvl="1"/>
+            <a:r>
+              <a:rPr lang="en-US" dirty="0"/>
+              <a:t>E.g. a = </a:t>
+            </a:r>
+            <a:r>
+              <a:rPr lang="en-US" dirty="0" err="1"/>
+              <a:t>math.sqrt</a:t>
+            </a:r>
+            <a:r>
+              <a:rPr lang="en-US" dirty="0"/>
+              <a:t>(9)</a:t>
+            </a:r>
+          </a:p>
+          <a:p>
+            <a:pPr lvl="1"/>
+            <a:r>
+              <a:rPr lang="en-US" dirty="0"/>
+              <a:t>We normally set some variable to the result of the function. </a:t>
+            </a:r>
+          </a:p>
+          <a:p>
+            <a:pPr lvl="1"/>
+            <a:r>
+              <a:rPr lang="en-US" dirty="0"/>
+              <a:t>When doing something like checking a condition of a loop, this is common. </a:t>
+            </a:r>
+          </a:p>
+          <a:p>
+            <a:r>
+              <a:rPr lang="en-US" dirty="0"/>
+              <a:t>Void functions do some action, but don’t return the result.</a:t>
+            </a:r>
+          </a:p>
+          <a:p>
+            <a:pPr lvl="1"/>
+            <a:r>
+              <a:rPr lang="en-US" dirty="0"/>
+              <a:t>E.g. print(“hello”)</a:t>
+            </a:r>
+          </a:p>
+          <a:p>
+            <a:r>
+              <a:rPr lang="en-US" dirty="0"/>
+              <a:t>We can also return other useful info like status, if needed. Common in ML model training. </a:t>
+            </a:r>
+          </a:p>
+          <a:p>
+            <a:r>
+              <a:rPr lang="en-US" dirty="0"/>
+              <a:t>Returns with multiple values are ok, this is a common tuple use:</a:t>
+            </a:r>
+          </a:p>
+          <a:p>
+            <a:pPr lvl="1"/>
+            <a:r>
+              <a:rPr lang="en-US" dirty="0"/>
+              <a:t>Return (result, status)</a:t>
+            </a:r>
+          </a:p>
+        </p:txBody>
+      </p:sp>
+    </p:spTree>
+    <p:extLst>
+      <p:ext uri="{BB962C8B-B14F-4D97-AF65-F5344CB8AC3E}">
+        <p14:creationId xmlns:p14="http://schemas.microsoft.com/office/powerpoint/2010/main" val="585481035"/>
       </p:ext>
     </p:extLst>
   </p:cSld>
